--- a/Couse_PPT/Arduino_09.pptx
+++ b/Couse_PPT/Arduino_09.pptx
@@ -15160,6 +15160,11 @@
               <a:rPr lang="en-US" altLang="en-US" dirty="0"/>
               <a:t>C介面上傳送整數資料</a:t>
             </a:r>
+            <a:r>
+              <a:rPr lang="en-US" altLang="zh-TW" dirty="0"/>
+              <a:t>(V)</a:t>
+            </a:r>
+            <a:endParaRPr lang="en-US" altLang="en-US" dirty="0"/>
           </a:p>
         </p:txBody>
       </p:sp>
